--- a/Stakeholder meetings/Questions for the first meeting.pptx
+++ b/Stakeholder meetings/Questions for the first meeting.pptx
@@ -105,6 +105,11 @@
       </a:defRPr>
     </a:lvl9pPr>
   </p:defaultTextStyle>
+  <p:extLst>
+    <p:ext uri="{EFAFB233-063F-42B5-8137-9DF3F51BA10A}">
+      <p15:sldGuideLst xmlns:p15="http://schemas.microsoft.com/office/powerpoint/2012/main"/>
+    </p:ext>
+  </p:extLst>
 </p:presentation>
 </file>
 
@@ -255,7 +260,7 @@
           <a:p>
             <a:fld id="{D55D0D00-1F86-4D60-B938-D4E8553FD960}" type="datetimeFigureOut">
               <a:rPr lang="en-US" smtClean="0"/>
-              <a:t>1/27/2025</a:t>
+              <a:t>1/30/2025</a:t>
             </a:fld>
             <a:endParaRPr lang="en-US"/>
           </a:p>
@@ -453,7 +458,7 @@
           <a:p>
             <a:fld id="{D55D0D00-1F86-4D60-B938-D4E8553FD960}" type="datetimeFigureOut">
               <a:rPr lang="en-US" smtClean="0"/>
-              <a:t>1/27/2025</a:t>
+              <a:t>1/30/2025</a:t>
             </a:fld>
             <a:endParaRPr lang="en-US"/>
           </a:p>
@@ -661,7 +666,7 @@
           <a:p>
             <a:fld id="{D55D0D00-1F86-4D60-B938-D4E8553FD960}" type="datetimeFigureOut">
               <a:rPr lang="en-US" smtClean="0"/>
-              <a:t>1/27/2025</a:t>
+              <a:t>1/30/2025</a:t>
             </a:fld>
             <a:endParaRPr lang="en-US"/>
           </a:p>
@@ -859,7 +864,7 @@
           <a:p>
             <a:fld id="{D55D0D00-1F86-4D60-B938-D4E8553FD960}" type="datetimeFigureOut">
               <a:rPr lang="en-US" smtClean="0"/>
-              <a:t>1/27/2025</a:t>
+              <a:t>1/30/2025</a:t>
             </a:fld>
             <a:endParaRPr lang="en-US"/>
           </a:p>
@@ -1134,7 +1139,7 @@
           <a:p>
             <a:fld id="{D55D0D00-1F86-4D60-B938-D4E8553FD960}" type="datetimeFigureOut">
               <a:rPr lang="en-US" smtClean="0"/>
-              <a:t>1/27/2025</a:t>
+              <a:t>1/30/2025</a:t>
             </a:fld>
             <a:endParaRPr lang="en-US"/>
           </a:p>
@@ -1399,7 +1404,7 @@
           <a:p>
             <a:fld id="{D55D0D00-1F86-4D60-B938-D4E8553FD960}" type="datetimeFigureOut">
               <a:rPr lang="en-US" smtClean="0"/>
-              <a:t>1/27/2025</a:t>
+              <a:t>1/30/2025</a:t>
             </a:fld>
             <a:endParaRPr lang="en-US"/>
           </a:p>
@@ -1811,7 +1816,7 @@
           <a:p>
             <a:fld id="{D55D0D00-1F86-4D60-B938-D4E8553FD960}" type="datetimeFigureOut">
               <a:rPr lang="en-US" smtClean="0"/>
-              <a:t>1/27/2025</a:t>
+              <a:t>1/30/2025</a:t>
             </a:fld>
             <a:endParaRPr lang="en-US"/>
           </a:p>
@@ -1952,7 +1957,7 @@
           <a:p>
             <a:fld id="{D55D0D00-1F86-4D60-B938-D4E8553FD960}" type="datetimeFigureOut">
               <a:rPr lang="en-US" smtClean="0"/>
-              <a:t>1/27/2025</a:t>
+              <a:t>1/30/2025</a:t>
             </a:fld>
             <a:endParaRPr lang="en-US"/>
           </a:p>
@@ -2065,7 +2070,7 @@
           <a:p>
             <a:fld id="{D55D0D00-1F86-4D60-B938-D4E8553FD960}" type="datetimeFigureOut">
               <a:rPr lang="en-US" smtClean="0"/>
-              <a:t>1/27/2025</a:t>
+              <a:t>1/30/2025</a:t>
             </a:fld>
             <a:endParaRPr lang="en-US"/>
           </a:p>
@@ -2376,7 +2381,7 @@
           <a:p>
             <a:fld id="{D55D0D00-1F86-4D60-B938-D4E8553FD960}" type="datetimeFigureOut">
               <a:rPr lang="en-US" smtClean="0"/>
-              <a:t>1/27/2025</a:t>
+              <a:t>1/30/2025</a:t>
             </a:fld>
             <a:endParaRPr lang="en-US"/>
           </a:p>
@@ -2664,7 +2669,7 @@
           <a:p>
             <a:fld id="{D55D0D00-1F86-4D60-B938-D4E8553FD960}" type="datetimeFigureOut">
               <a:rPr lang="en-US" smtClean="0"/>
-              <a:t>1/27/2025</a:t>
+              <a:t>1/30/2025</a:t>
             </a:fld>
             <a:endParaRPr lang="en-US"/>
           </a:p>
@@ -2905,7 +2910,7 @@
           <a:p>
             <a:fld id="{D55D0D00-1F86-4D60-B938-D4E8553FD960}" type="datetimeFigureOut">
               <a:rPr lang="en-US" smtClean="0"/>
-              <a:t>1/27/2025</a:t>
+              <a:t>1/30/2025</a:t>
             </a:fld>
             <a:endParaRPr lang="en-US"/>
           </a:p>
@@ -3468,15 +3473,12 @@
             <a:pPr lvl="1"/>
             <a:r>
               <a:rPr lang="en-US" dirty="0"/>
-              <a:t>Why would the ML model needs a patch that includes the entire width of the epithelium, as the ML model may learn patterns to classify the patch without being informed of the location of </a:t>
-            </a:r>
-            <a:r>
-              <a:rPr lang="en-US"/>
-              <a:t>the melanocytes? </a:t>
-            </a:r>
-            <a:endParaRPr lang="en-US" dirty="0"/>
-          </a:p>
-          <a:p>
+              <a:t>Why would the ML model needs a patch that includes the entire width of the epithelium, as the ML model may learn patterns to classify the patch without being informed of the location of the melanocytes? Was the entire width necessary for the doctors, but may not be necessary for the ML model? Brown vs purple melanocytes </a:t>
+            </a:r>
+            <a:r>
+              <a:rPr lang="en-US"/>
+              <a:t>in paper.</a:t>
+            </a:r>
             <a:endParaRPr lang="en-US" dirty="0"/>
           </a:p>
           <a:p>
